--- a/03-codice/iNutellaryPresentazione.pptx
+++ b/03-codice/iNutellaryPresentazione.pptx
@@ -11,7 +11,7 @@
     <p:sldId id="259" r:id="rId5"/>
     <p:sldId id="260" r:id="rId6"/>
   </p:sldIdLst>
-  <p:sldSz cx="12192000" cy="6858000" type="screen4x3"/>
+  <p:sldSz cx="12192000" cy="6858000"/>
   <p:notesSz cx="6858000" cy="9144000"/>
   <p:defaultTextStyle>
     <a:defPPr>
@@ -269,6 +269,8 @@
           <a:p>
             <a:pPr lvl="0"/>
             <a:fld id="{AEA9C4DD-EE3C-4217-B2C0-47D59AA3A209}" type="slidenum">
+              <a:rPr/>
+              <a:pPr lvl="0"/>
               <a:t>‹N›</a:t>
             </a:fld>
             <a:endParaRPr lang="de-DE" dirty="0"/>
@@ -472,6 +474,8 @@
           <a:p>
             <a:pPr lvl="0"/>
             <a:fld id="{638A9DD2-2A2E-4ED9-BF11-03E1EA7BB4D1}" type="slidenum">
+              <a:rPr/>
+              <a:pPr lvl="0"/>
               <a:t>‹N›</a:t>
             </a:fld>
             <a:endParaRPr lang="de-DE" dirty="0"/>
@@ -684,6 +688,8 @@
           <a:p>
             <a:pPr lvl="0"/>
             <a:fld id="{33C7F3B2-FC13-49D8-9C54-627360B8D937}" type="slidenum">
+              <a:rPr/>
+              <a:pPr lvl="0"/>
               <a:t>‹N›</a:t>
             </a:fld>
             <a:endParaRPr lang="de-DE" dirty="0"/>
@@ -886,6 +892,8 @@
           <a:p>
             <a:pPr lvl="0"/>
             <a:fld id="{B39E0C23-BAF7-4707-86D2-226DEF293D9D}" type="slidenum">
+              <a:rPr/>
+              <a:pPr lvl="0"/>
               <a:t>‹N›</a:t>
             </a:fld>
             <a:endParaRPr lang="de-DE" dirty="0"/>
@@ -1063,6 +1071,8 @@
           <a:p>
             <a:pPr lvl="0"/>
             <a:fld id="{53BDE2E1-C135-4CC4-8194-9255ECA3A08C}" type="slidenum">
+              <a:rPr/>
+              <a:pPr lvl="0"/>
               <a:t>‹N›</a:t>
             </a:fld>
             <a:endParaRPr lang="de-DE" dirty="0"/>
@@ -1343,6 +1353,8 @@
           <a:p>
             <a:pPr lvl="0"/>
             <a:fld id="{3BB32AAD-87A4-4A04-BDBC-78D7E5688789}" type="slidenum">
+              <a:rPr/>
+              <a:pPr lvl="0"/>
               <a:t>‹N›</a:t>
             </a:fld>
             <a:endParaRPr lang="de-DE" dirty="0"/>
@@ -1694,6 +1706,8 @@
           <a:p>
             <a:pPr lvl="0"/>
             <a:fld id="{DC9D0BC6-6CC2-4B66-A728-A0273DAD4DC1}" type="slidenum">
+              <a:rPr/>
+              <a:pPr lvl="0"/>
               <a:t>‹N›</a:t>
             </a:fld>
             <a:endParaRPr lang="de-DE" dirty="0"/>
@@ -1828,6 +1842,8 @@
           <a:p>
             <a:pPr lvl="0"/>
             <a:fld id="{2BB74DF4-940A-45A7-840F-38B163899161}" type="slidenum">
+              <a:rPr/>
+              <a:pPr lvl="0"/>
               <a:t>‹N›</a:t>
             </a:fld>
             <a:endParaRPr lang="de-DE" dirty="0"/>
@@ -1934,6 +1950,8 @@
           <a:p>
             <a:pPr lvl="0"/>
             <a:fld id="{ADFE139F-56B0-4E02-B196-90C3B5B03D3E}" type="slidenum">
+              <a:rPr/>
+              <a:pPr lvl="0"/>
               <a:t>‹N›</a:t>
             </a:fld>
             <a:endParaRPr lang="de-DE" dirty="0"/>
@@ -2179,6 +2197,8 @@
           <a:p>
             <a:pPr lvl="0"/>
             <a:fld id="{D3DC9C07-3207-4A35-8ED2-0154673FC190}" type="slidenum">
+              <a:rPr/>
+              <a:pPr lvl="0"/>
               <a:t>‹N›</a:t>
             </a:fld>
             <a:endParaRPr lang="de-DE" dirty="0"/>
@@ -2381,6 +2401,8 @@
           <a:p>
             <a:pPr lvl="0"/>
             <a:fld id="{C8C37018-B72B-4CA3-BBF8-4EE8B678EF49}" type="slidenum">
+              <a:rPr/>
+              <a:pPr lvl="0"/>
               <a:t>‹N›</a:t>
             </a:fld>
             <a:endParaRPr lang="de-DE" dirty="0"/>
@@ -2682,6 +2704,8 @@
           <a:p>
             <a:pPr lvl="0"/>
             <a:fld id="{7EAD3ABA-ABFF-457D-A270-C0FA281BA6F3}" type="slidenum">
+              <a:rPr/>
+              <a:pPr lvl="0"/>
               <a:t>‹N›</a:t>
             </a:fld>
             <a:endParaRPr lang="de-DE" dirty="0"/>
@@ -3282,10 +3306,16 @@
           <a:prstGeom prst="rect">
             <a:avLst/>
           </a:prstGeom>
-          <a:noFill/>
           <a:ln>
             <a:noFill/>
           </a:ln>
+          <a:effectLst>
+            <a:outerShdw blurRad="292100" dist="139700" dir="2700000" algn="tl" rotWithShape="0">
+              <a:srgbClr val="333333">
+                <a:alpha val="65000"/>
+              </a:srgbClr>
+            </a:outerShdw>
+          </a:effectLst>
         </p:spPr>
       </p:pic>
     </p:spTree>
@@ -3527,8 +3557,8 @@
         </p:nvSpPr>
         <p:spPr>
           <a:xfrm>
-            <a:off x="0" y="2924944"/>
-            <a:ext cx="6097100" cy="2045860"/>
+            <a:off x="0" y="2852936"/>
+            <a:ext cx="6097100" cy="3096344"/>
           </a:xfrm>
         </p:spPr>
         <p:txBody>
@@ -3576,14 +3606,14 @@
                 <a:latin typeface="Consolas"/>
                 <a:cs typeface="Calibri"/>
               </a:rPr>
-              <a:t>quest’ultima non </a:t>
+              <a:t>non riuscivamo </a:t>
             </a:r>
             <a:r>
               <a:rPr lang="it-IT" sz="2400" dirty="0">
                 <a:latin typeface="Consolas"/>
                 <a:cs typeface="Calibri"/>
               </a:rPr>
-              <a:t>riusciva a verificare l</a:t>
+              <a:t>a verificare l</a:t>
             </a:r>
             <a:r>
               <a:rPr lang="it-IT" sz="2400" b="1" dirty="0">
@@ -3597,14 +3627,42 @@
                 <a:latin typeface="Consolas"/>
                 <a:cs typeface="Calibri"/>
               </a:rPr>
-              <a:t> scaricato, in</a:t>
+              <a:t> </a:t>
+            </a:r>
+            <a:r>
+              <a:rPr lang="it-IT" sz="2400" dirty="0" smtClean="0">
+                <a:latin typeface="Consolas"/>
+                <a:cs typeface="Calibri"/>
+              </a:rPr>
+              <a:t>scaricato. </a:t>
+            </a:r>
+            <a:r>
+              <a:rPr lang="it-IT" sz="2400" dirty="0">
+                <a:latin typeface="Consolas"/>
+                <a:cs typeface="Calibri"/>
+              </a:rPr>
+              <a:t>I</a:t>
+            </a:r>
+            <a:r>
+              <a:rPr lang="it-IT" sz="2400" dirty="0" smtClean="0">
+                <a:latin typeface="Consolas"/>
+                <a:cs typeface="Calibri"/>
+              </a:rPr>
+              <a:t>n</a:t>
+            </a:r>
+            <a:r>
+              <a:rPr lang="it-IT" sz="2400" b="1" dirty="0" smtClean="0">
+                <a:latin typeface="Consolas"/>
+                <a:cs typeface="Calibri"/>
+              </a:rPr>
+              <a:t> </a:t>
             </a:r>
             <a:r>
               <a:rPr lang="it-IT" sz="2400" b="1" dirty="0">
                 <a:latin typeface="Consolas"/>
                 <a:cs typeface="Calibri"/>
               </a:rPr>
-              <a:t> conclusione</a:t>
+              <a:t>conclusione</a:t>
             </a:r>
             <a:r>
               <a:rPr lang="it-IT" sz="2400" dirty="0">
@@ -3618,14 +3676,7 @@
                 <a:latin typeface="Consolas"/>
                 <a:cs typeface="Calibri"/>
               </a:rPr>
-              <a:t>l’applicazione </a:t>
-            </a:r>
-            <a:r>
-              <a:rPr lang="it-IT" sz="2400" dirty="0" smtClean="0">
-                <a:latin typeface="Consolas"/>
-                <a:cs typeface="Calibri"/>
-              </a:rPr>
-              <a:t>non </a:t>
+              <a:t>l’applicazione non </a:t>
             </a:r>
             <a:r>
               <a:rPr lang="it-IT" sz="2400" dirty="0">
@@ -3819,42 +3870,42 @@
           <a:p>
             <a:pPr lvl="0"/>
             <a:r>
-              <a:rPr lang="it-IT" sz="2200" dirty="0">
+              <a:rPr lang="it-IT" sz="2000" dirty="0">
                 <a:latin typeface="Consolas"/>
                 <a:cs typeface="Calibri"/>
               </a:rPr>
               <a:t>Grazie ai suggerimenti del </a:t>
             </a:r>
             <a:r>
-              <a:rPr lang="it-IT" sz="2200" b="1" dirty="0">
+              <a:rPr lang="it-IT" sz="2000" b="1" dirty="0">
                 <a:latin typeface="Consolas"/>
                 <a:cs typeface="Calibri"/>
               </a:rPr>
               <a:t>professor Bozzi</a:t>
             </a:r>
             <a:r>
-              <a:rPr lang="it-IT" sz="2200" dirty="0">
+              <a:rPr lang="it-IT" sz="2000" dirty="0">
                 <a:latin typeface="Consolas"/>
                 <a:cs typeface="Calibri"/>
               </a:rPr>
               <a:t>, il nostro gruppo ha utilizzato alcune funzioni della libreria </a:t>
             </a:r>
             <a:r>
-              <a:rPr lang="it-IT" sz="2200" b="1" dirty="0">
+              <a:rPr lang="it-IT" sz="2000" b="1" dirty="0">
                 <a:latin typeface="Consolas"/>
                 <a:cs typeface="Calibri"/>
               </a:rPr>
               <a:t>GitHub</a:t>
             </a:r>
             <a:r>
-              <a:rPr lang="it-IT" sz="2200" dirty="0">
+              <a:rPr lang="it-IT" sz="2000" dirty="0">
                 <a:latin typeface="Consolas"/>
                 <a:cs typeface="Calibri"/>
               </a:rPr>
               <a:t> di mattosaurus "</a:t>
             </a:r>
             <a:r>
-              <a:rPr lang="it-IT" sz="2200" i="1" dirty="0">
+              <a:rPr lang="it-IT" sz="2000" i="1" dirty="0">
                 <a:solidFill>
                   <a:srgbClr val="00B050"/>
                 </a:solidFill>
@@ -3864,21 +3915,21 @@
               <a:t>PgpCore</a:t>
             </a:r>
             <a:r>
-              <a:rPr lang="it-IT" sz="2200" dirty="0">
+              <a:rPr lang="it-IT" sz="2000" dirty="0">
                 <a:latin typeface="Consolas"/>
                 <a:cs typeface="Calibri"/>
               </a:rPr>
               <a:t>", che ha reso il lavoro molto più </a:t>
             </a:r>
             <a:r>
-              <a:rPr lang="it-IT" sz="2200" b="1" dirty="0">
+              <a:rPr lang="it-IT" sz="2000" b="1" dirty="0">
                 <a:latin typeface="Consolas"/>
                 <a:cs typeface="Calibri"/>
               </a:rPr>
               <a:t>semplice</a:t>
             </a:r>
             <a:r>
-              <a:rPr lang="it-IT" sz="2200" dirty="0">
+              <a:rPr lang="it-IT" sz="2000" dirty="0">
                 <a:latin typeface="Consolas"/>
                 <a:cs typeface="Calibri"/>
               </a:rPr>
@@ -3888,21 +3939,21 @@
           <a:p>
             <a:pPr lvl="0"/>
             <a:r>
-              <a:rPr lang="it-IT" sz="2200" dirty="0">
+              <a:rPr lang="it-IT" sz="2000" dirty="0">
                 <a:latin typeface="Consolas"/>
                 <a:cs typeface="Calibri"/>
               </a:rPr>
               <a:t>Il nostro gruppo ha utilizzato la </a:t>
             </a:r>
             <a:r>
-              <a:rPr lang="it-IT" sz="2200" b="1" dirty="0">
+              <a:rPr lang="it-IT" sz="2000" b="1" dirty="0">
                 <a:latin typeface="Consolas"/>
                 <a:cs typeface="Calibri"/>
               </a:rPr>
               <a:t>direttiva "</a:t>
             </a:r>
             <a:r>
-              <a:rPr lang="it-IT" sz="2200" i="1" dirty="0">
+              <a:rPr lang="it-IT" sz="2000" i="1" dirty="0">
                 <a:solidFill>
                   <a:srgbClr val="2F5597"/>
                 </a:solidFill>
@@ -3912,35 +3963,35 @@
               <a:t>System.Security.Criptography</a:t>
             </a:r>
             <a:r>
-              <a:rPr lang="it-IT" sz="2200" dirty="0">
+              <a:rPr lang="it-IT" sz="2000" dirty="0">
                 <a:latin typeface="Consolas"/>
                 <a:cs typeface="Calibri"/>
               </a:rPr>
               <a:t>", per la conversione del file </a:t>
             </a:r>
             <a:r>
-              <a:rPr lang="it-IT" sz="2200" b="1" dirty="0">
+              <a:rPr lang="it-IT" sz="2000" b="1" dirty="0">
                 <a:latin typeface="Consolas"/>
                 <a:cs typeface="Calibri"/>
               </a:rPr>
               <a:t>iso</a:t>
             </a:r>
             <a:r>
-              <a:rPr lang="it-IT" sz="2200" dirty="0">
+              <a:rPr lang="it-IT" sz="2000" dirty="0">
                 <a:latin typeface="Consolas"/>
                 <a:cs typeface="Calibri"/>
               </a:rPr>
               <a:t> in un file </a:t>
             </a:r>
             <a:r>
-              <a:rPr lang="it-IT" sz="2200" b="1" dirty="0">
+              <a:rPr lang="it-IT" sz="2000" b="1" dirty="0">
                 <a:latin typeface="Consolas"/>
                 <a:cs typeface="Calibri"/>
               </a:rPr>
               <a:t>sha256</a:t>
             </a:r>
             <a:r>
-              <a:rPr lang="it-IT" sz="2200" dirty="0">
+              <a:rPr lang="it-IT" sz="2000" dirty="0">
                 <a:latin typeface="Consolas"/>
                 <a:cs typeface="Calibri"/>
               </a:rPr>
@@ -3950,28 +4001,28 @@
           <a:p>
             <a:pPr lvl="0"/>
             <a:r>
-              <a:rPr lang="it-IT" sz="2200" dirty="0">
+              <a:rPr lang="it-IT" sz="2000" dirty="0">
                 <a:latin typeface="Consolas"/>
                 <a:cs typeface="Calibri"/>
               </a:rPr>
               <a:t>Per l'interfaccia, abbiamo preso spunto dai </a:t>
             </a:r>
             <a:r>
-              <a:rPr lang="it-IT" sz="2200" b="1" dirty="0">
+              <a:rPr lang="it-IT" sz="2000" b="1" dirty="0">
                 <a:latin typeface="Consolas"/>
                 <a:cs typeface="Calibri"/>
               </a:rPr>
               <a:t>colori</a:t>
             </a:r>
             <a:r>
-              <a:rPr lang="it-IT" sz="2200" dirty="0">
+              <a:rPr lang="it-IT" sz="2000" dirty="0">
                 <a:latin typeface="Consolas"/>
                 <a:cs typeface="Calibri"/>
               </a:rPr>
               <a:t> della </a:t>
             </a:r>
             <a:r>
-              <a:rPr lang="it-IT" sz="2200" b="1" dirty="0">
+              <a:rPr lang="it-IT" sz="2000" b="1" dirty="0">
                 <a:solidFill>
                   <a:schemeClr val="tx1"/>
                 </a:solidFill>
@@ -3981,7 +4032,7 @@
               <a:t>N</a:t>
             </a:r>
             <a:r>
-              <a:rPr lang="it-IT" sz="2200" b="1" dirty="0">
+              <a:rPr lang="it-IT" sz="2000" b="1" dirty="0">
                 <a:solidFill>
                   <a:srgbClr val="FF0000"/>
                 </a:solidFill>
@@ -3991,7 +4042,7 @@
               <a:t>utella</a:t>
             </a:r>
             <a:r>
-              <a:rPr lang="it-IT" sz="2200" dirty="0">
+              <a:rPr lang="it-IT" sz="2000" dirty="0">
                 <a:solidFill>
                   <a:srgbClr val="FF0000"/>
                 </a:solidFill>
@@ -4001,21 +4052,35 @@
               <a:t>®</a:t>
             </a:r>
             <a:r>
-              <a:rPr lang="it-IT" sz="2200" dirty="0">
-                <a:latin typeface="Consolas"/>
-                <a:cs typeface="Calibri"/>
-              </a:rPr>
-              <a:t> (Il gruppo si chiama </a:t>
-            </a:r>
-            <a:r>
-              <a:rPr lang="it-IT" sz="2200" b="1" dirty="0" smtClean="0">
+              <a:rPr lang="it-IT" sz="2000" dirty="0">
+                <a:latin typeface="Consolas"/>
+                <a:cs typeface="Calibri"/>
+              </a:rPr>
+              <a:t> </a:t>
+            </a:r>
+            <a:r>
+              <a:rPr lang="it-IT" sz="2000" dirty="0" smtClean="0">
+                <a:latin typeface="Consolas"/>
+                <a:cs typeface="Calibri"/>
+              </a:rPr>
+              <a:t>(perché il </a:t>
+            </a:r>
+            <a:r>
+              <a:rPr lang="it-IT" sz="2000" dirty="0">
+                <a:latin typeface="Consolas"/>
+                <a:cs typeface="Calibri"/>
+              </a:rPr>
+              <a:t>gruppo si chiama </a:t>
+            </a:r>
+            <a:r>
+              <a:rPr lang="it-IT" sz="2000" b="1" dirty="0" smtClean="0">
                 <a:latin typeface="Consolas"/>
                 <a:cs typeface="Calibri"/>
               </a:rPr>
               <a:t>iN</a:t>
             </a:r>
             <a:r>
-              <a:rPr lang="it-IT" sz="2200" b="1" dirty="0" smtClean="0">
+              <a:rPr lang="it-IT" sz="2000" b="1" dirty="0" smtClean="0">
                 <a:solidFill>
                   <a:srgbClr val="FF0000"/>
                 </a:solidFill>
@@ -4025,42 +4090,42 @@
               <a:t>utellary™</a:t>
             </a:r>
             <a:r>
-              <a:rPr lang="it-IT" sz="2200" dirty="0" smtClean="0">
+              <a:rPr lang="it-IT" sz="2000" dirty="0" smtClean="0">
                 <a:latin typeface="Consolas"/>
                 <a:cs typeface="Calibri"/>
               </a:rPr>
               <a:t>) </a:t>
             </a:r>
             <a:r>
-              <a:rPr lang="it-IT" sz="2200" dirty="0">
+              <a:rPr lang="it-IT" sz="2000" dirty="0">
                 <a:latin typeface="Consolas"/>
                 <a:cs typeface="Calibri"/>
               </a:rPr>
               <a:t>e abbiamo modificato il </a:t>
             </a:r>
             <a:r>
-              <a:rPr lang="it-IT" sz="2200" b="1" dirty="0">
+              <a:rPr lang="it-IT" sz="2000" b="1" dirty="0">
                 <a:latin typeface="Consolas"/>
                 <a:cs typeface="Calibri"/>
               </a:rPr>
               <a:t>logo</a:t>
             </a:r>
             <a:r>
-              <a:rPr lang="it-IT" sz="2200" dirty="0">
+              <a:rPr lang="it-IT" sz="2000" dirty="0">
                 <a:latin typeface="Consolas"/>
                 <a:cs typeface="Calibri"/>
               </a:rPr>
               <a:t> per rendere il tutto molto più carino e simpatico ma soprattutto </a:t>
             </a:r>
             <a:r>
-              <a:rPr lang="it-IT" sz="2200" b="1" dirty="0">
+              <a:rPr lang="it-IT" sz="2000" b="1" dirty="0">
                 <a:latin typeface="Consolas"/>
                 <a:cs typeface="Calibri"/>
               </a:rPr>
               <a:t>intuitivo</a:t>
             </a:r>
             <a:r>
-              <a:rPr lang="it-IT" sz="2200" dirty="0">
+              <a:rPr lang="it-IT" sz="2000" dirty="0">
                 <a:latin typeface="Consolas"/>
                 <a:cs typeface="Calibri"/>
               </a:rPr>
@@ -4145,18 +4210,7 @@
           <a:bodyPr vert="horz" wrap="square" lIns="91440" tIns="45720" rIns="91440" bIns="45720" anchor="ctr" anchorCtr="1" compatLnSpc="1"/>
           <a:lstStyle/>
           <a:p>
-            <a:pPr marL="0" marR="0" lvl="0" indent="0" algn="ctr" defTabSz="914400" rtl="0" fontAlgn="auto" hangingPunct="1">
-              <a:lnSpc>
-                <a:spcPct val="100000"/>
-              </a:lnSpc>
-              <a:spcBef>
-                <a:spcPts val="0"/>
-              </a:spcBef>
-              <a:spcAft>
-                <a:spcPts val="0"/>
-              </a:spcAft>
-              <a:buNone/>
-              <a:tabLst/>
+            <a:pPr lvl="0" algn="ctr">
               <a:defRPr sz="1800" b="0" i="0" u="none" strike="noStrike" kern="0" cap="none" spc="0" baseline="0">
                 <a:solidFill>
                   <a:srgbClr val="000000"/>
@@ -4186,7 +4240,7 @@
         </p:nvSpPr>
         <p:spPr>
           <a:xfrm>
-            <a:off x="6096000" y="1268760"/>
+            <a:off x="6215336" y="1268760"/>
             <a:ext cx="5976664" cy="2889110"/>
           </a:xfrm>
         </p:spPr>
@@ -4265,57 +4319,7 @@
                 <a:uFillTx/>
                 <a:latin typeface="Consolas"/>
               </a:rPr>
-              <a:t>Andreotti</a:t>
-            </a:r>
-            <a:r>
-              <a:rPr lang="en-US" sz="2000" b="0" i="0" u="none" strike="noStrike" kern="1200" cap="none" spc="0" baseline="0" dirty="0">
-                <a:solidFill>
-                  <a:schemeClr val="bg1"/>
-                </a:solidFill>
-                <a:uFillTx/>
-                <a:latin typeface="Consolas"/>
-              </a:rPr>
-              <a:t>, </a:t>
-            </a:r>
-            <a:r>
-              <a:rPr lang="en-US" sz="2000" b="0" i="0" u="none" strike="noStrike" kern="1200" cap="none" spc="0" baseline="0" dirty="0">
-                <a:solidFill>
-                  <a:schemeClr val="bg1"/>
-                </a:solidFill>
-                <a:uFillTx/>
-                <a:latin typeface="Consolas"/>
-              </a:rPr>
-              <a:t>Tisi</a:t>
-            </a:r>
-            <a:r>
-              <a:rPr lang="en-US" sz="2000" b="0" i="0" u="none" strike="noStrike" kern="1200" cap="none" spc="0" baseline="0" dirty="0">
-                <a:solidFill>
-                  <a:schemeClr val="bg1"/>
-                </a:solidFill>
-                <a:uFillTx/>
-                <a:latin typeface="Consolas"/>
-              </a:rPr>
-              <a:t> &amp; </a:t>
-            </a:r>
-            <a:r>
-              <a:rPr lang="en-US" sz="2000" b="0" i="0" u="none" strike="noStrike" kern="1200" cap="none" spc="0" baseline="0" dirty="0">
-                <a:solidFill>
-                  <a:schemeClr val="bg1"/>
-                </a:solidFill>
-                <a:uFillTx/>
-                <a:latin typeface="Consolas"/>
-              </a:rPr>
-              <a:t>Tocchio</a:t>
-            </a:r>
-            <a:r>
-              <a:rPr lang="en-US" sz="2000" b="0" i="0" u="none" strike="noStrike" kern="1200" cap="none" spc="0" baseline="0" dirty="0">
-                <a:solidFill>
-                  <a:schemeClr val="bg1"/>
-                </a:solidFill>
-                <a:uFillTx/>
-                <a:latin typeface="Consolas"/>
-              </a:rPr>
-              <a:t> 4°DInfo</a:t>
+              <a:t>Andreotti, Tisi &amp; Tocchio 4°DInfo</a:t>
             </a:r>
           </a:p>
         </p:txBody>
@@ -4746,24 +4750,18 @@
           </a:p>
         </p:txBody>
       </p:sp>
-      <p:pic>
-        <p:nvPicPr>
-          <p:cNvPr id="7" name="Immagine 10"/>
-          <p:cNvPicPr>
-            <a:picLocks noChangeAspect="1"/>
-          </p:cNvPicPr>
+      <p:sp>
+        <p:nvSpPr>
+          <p:cNvPr id="8" name="Titolo 1"/>
+          <p:cNvSpPr txBox="1">
+            <a:spLocks/>
+          </p:cNvSpPr>
           <p:nvPr/>
-        </p:nvPicPr>
-        <p:blipFill>
-          <a:blip r:embed="rId2" cstate="print"/>
-          <a:stretch>
-            <a:fillRect/>
-          </a:stretch>
-        </p:blipFill>
+        </p:nvSpPr>
         <p:spPr>
           <a:xfrm>
-            <a:off x="419380" y="1267449"/>
-            <a:ext cx="4047838" cy="2954929"/>
+            <a:off x="119336" y="2420888"/>
+            <a:ext cx="1199456" cy="1080120"/>
           </a:xfrm>
           <a:prstGeom prst="rect">
             <a:avLst/>
@@ -4771,6 +4769,78 @@
           <a:noFill/>
           <a:ln>
             <a:noFill/>
+          </a:ln>
+        </p:spPr>
+        <p:txBody>
+          <a:bodyPr vert="horz" wrap="square" lIns="91440" tIns="45720" rIns="91440" bIns="45720" anchor="b" anchorCtr="0" compatLnSpc="1"/>
+          <a:lstStyle/>
+          <a:p>
+            <a:pPr marL="0" marR="0" lvl="0" indent="0" algn="l" defTabSz="914400" rtl="0" eaLnBrk="1" fontAlgn="auto" latinLnBrk="0" hangingPunct="1">
+              <a:lnSpc>
+                <a:spcPct val="90000"/>
+              </a:lnSpc>
+              <a:spcBef>
+                <a:spcPts val="0"/>
+              </a:spcBef>
+              <a:spcAft>
+                <a:spcPts val="0"/>
+              </a:spcAft>
+              <a:buClrTx/>
+              <a:buSzTx/>
+              <a:buFontTx/>
+              <a:buNone/>
+              <a:tabLst/>
+              <a:defRPr/>
+            </a:pPr>
+            <a:r>
+              <a:rPr lang="en-US" sz="6600" b="1" dirty="0" smtClean="0">
+                <a:latin typeface="Arial Black" pitchFamily="34" charset="0"/>
+                <a:cs typeface="Arial"/>
+              </a:rPr>
+              <a:t>iN</a:t>
+            </a:r>
+            <a:endParaRPr kumimoji="0" lang="en-US" sz="6600" b="1" i="0" u="none" strike="noStrike" kern="1200" cap="none" spc="0" normalizeH="0" baseline="0" noProof="0" dirty="0">
+              <a:ln>
+                <a:noFill/>
+              </a:ln>
+              <a:effectLst/>
+              <a:uLnTx/>
+              <a:uFillTx/>
+              <a:latin typeface="Arial Black" pitchFamily="34" charset="0"/>
+              <a:cs typeface="Arial"/>
+            </a:endParaRPr>
+          </a:p>
+        </p:txBody>
+      </p:sp>
+      <p:pic>
+        <p:nvPicPr>
+          <p:cNvPr id="1026" name="Picture 2"/>
+          <p:cNvPicPr>
+            <a:picLocks noChangeAspect="1" noChangeArrowheads="1"/>
+          </p:cNvPicPr>
+          <p:nvPr/>
+        </p:nvPicPr>
+        <p:blipFill>
+          <a:blip r:embed="rId2" cstate="print"/>
+          <a:srcRect/>
+          <a:stretch>
+            <a:fillRect/>
+          </a:stretch>
+        </p:blipFill>
+        <p:spPr bwMode="auto">
+          <a:xfrm>
+            <a:off x="1127448" y="1700808"/>
+            <a:ext cx="3990975" cy="2381250"/>
+          </a:xfrm>
+          <a:prstGeom prst="rect">
+            <a:avLst/>
+          </a:prstGeom>
+          <a:noFill/>
+          <a:ln w="9525">
+            <a:noFill/>
+            <a:miter lim="800000"/>
+            <a:headEnd/>
+            <a:tailEnd/>
           </a:ln>
         </p:spPr>
       </p:pic>
